--- a/presentation.pptx
+++ b/presentation.pptx
@@ -5,7 +5,7 @@
     <p:sldMasterId id="2147483648" r:id="rId1"/>
   </p:sldMasterIdLst>
   <p:notesMasterIdLst>
-    <p:notesMasterId r:id="rId12"/>
+    <p:notesMasterId r:id="rId14"/>
   </p:notesMasterIdLst>
   <p:sldIdLst>
     <p:sldId id="277" r:id="rId2"/>
@@ -18,6 +18,8 @@
     <p:sldId id="270" r:id="rId9"/>
     <p:sldId id="307" r:id="rId10"/>
     <p:sldId id="306" r:id="rId11"/>
+    <p:sldId id="308" r:id="rId12"/>
+    <p:sldId id="309" r:id="rId13"/>
   </p:sldIdLst>
   <p:sldSz cx="9144000" cy="6858000" type="screen4x3"/>
   <p:notesSz cx="6858000" cy="9144000"/>
@@ -131,6 +133,8 @@
             <p14:sldId id="270"/>
             <p14:sldId id="307"/>
             <p14:sldId id="306"/>
+            <p14:sldId id="308"/>
+            <p14:sldId id="309"/>
           </p14:sldIdLst>
         </p14:section>
       </p14:sectionLst>
@@ -667,6 +671,190 @@
                 <a:cs typeface="+mn-cs"/>
               </a:rPr>
               <a:t>10</a:t>
+            </a:fld>
+            <a:endParaRPr lang="en-US" sz="1200" b="0" i="0">
+              <a:latin typeface="Calibri"/>
+              <a:ea typeface="+mn-ea"/>
+              <a:cs typeface="+mn-cs"/>
+            </a:endParaRPr>
+          </a:p>
+        </p:txBody>
+      </p:sp>
+    </p:spTree>
+  </p:cSld>
+  <p:clrMapOvr>
+    <a:masterClrMapping/>
+  </p:clrMapOvr>
+</p:notes>
+</file>
+
+<file path=ppt/notesSlides/notesSlide11.xml><?xml version="1.0" encoding="utf-8"?>
+<p:notes xmlns:a="http://schemas.openxmlformats.org/drawingml/2006/main" xmlns:r="http://schemas.openxmlformats.org/officeDocument/2006/relationships" xmlns:p="http://schemas.openxmlformats.org/presentationml/2006/main">
+  <p:cSld>
+    <p:spTree>
+      <p:nvGrpSpPr>
+        <p:cNvPr id="1" name=""/>
+        <p:cNvGrpSpPr/>
+        <p:nvPr/>
+      </p:nvGrpSpPr>
+      <p:grpSpPr>
+        <a:xfrm>
+          <a:off x="0" y="0"/>
+          <a:ext cx="0" cy="0"/>
+          <a:chOff x="0" y="0"/>
+          <a:chExt cx="0" cy="0"/>
+        </a:xfrm>
+      </p:grpSpPr>
+      <p:sp>
+        <p:nvSpPr>
+          <p:cNvPr id="2" name="Slide Image Placeholder 1"/>
+          <p:cNvSpPr>
+            <a:spLocks noGrp="1" noRot="1" noChangeAspect="1"/>
+          </p:cNvSpPr>
+          <p:nvPr>
+            <p:ph type="sldImg"/>
+          </p:nvPr>
+        </p:nvSpPr>
+        <p:spPr/>
+      </p:sp>
+      <p:sp>
+        <p:nvSpPr>
+          <p:cNvPr id="3" name="Notes Placeholder 2"/>
+          <p:cNvSpPr>
+            <a:spLocks noGrp="1"/>
+          </p:cNvSpPr>
+          <p:nvPr>
+            <p:ph type="body" idx="1"/>
+          </p:nvPr>
+        </p:nvSpPr>
+        <p:spPr/>
+        <p:txBody>
+          <a:bodyPr>
+            <a:normAutofit/>
+          </a:bodyPr>
+          <a:lstStyle/>
+          <a:p>
+            <a:endParaRPr lang="en-US" dirty="0"/>
+          </a:p>
+        </p:txBody>
+      </p:sp>
+      <p:sp>
+        <p:nvSpPr>
+          <p:cNvPr id="4" name="Slide Number Placeholder 3"/>
+          <p:cNvSpPr>
+            <a:spLocks noGrp="1"/>
+          </p:cNvSpPr>
+          <p:nvPr>
+            <p:ph type="sldNum" sz="quarter" idx="10"/>
+          </p:nvPr>
+        </p:nvSpPr>
+        <p:spPr/>
+        <p:txBody>
+          <a:bodyPr/>
+          <a:lstStyle/>
+          <a:p>
+            <a:pPr algn="r" defTabSz="914400">
+              <a:buNone/>
+            </a:pPr>
+            <a:fld id="{2B891980-0BF3-461C-95D4-87E094E9751C}" type="slidenum">
+              <a:rPr lang="en-US" sz="1200" b="0" i="0">
+                <a:latin typeface="Calibri"/>
+                <a:ea typeface="+mn-ea"/>
+                <a:cs typeface="+mn-cs"/>
+              </a:rPr>
+              <a:t>11</a:t>
+            </a:fld>
+            <a:endParaRPr lang="en-US" sz="1200" b="0" i="0">
+              <a:latin typeface="Calibri"/>
+              <a:ea typeface="+mn-ea"/>
+              <a:cs typeface="+mn-cs"/>
+            </a:endParaRPr>
+          </a:p>
+        </p:txBody>
+      </p:sp>
+    </p:spTree>
+  </p:cSld>
+  <p:clrMapOvr>
+    <a:masterClrMapping/>
+  </p:clrMapOvr>
+</p:notes>
+</file>
+
+<file path=ppt/notesSlides/notesSlide12.xml><?xml version="1.0" encoding="utf-8"?>
+<p:notes xmlns:a="http://schemas.openxmlformats.org/drawingml/2006/main" xmlns:r="http://schemas.openxmlformats.org/officeDocument/2006/relationships" xmlns:p="http://schemas.openxmlformats.org/presentationml/2006/main">
+  <p:cSld>
+    <p:spTree>
+      <p:nvGrpSpPr>
+        <p:cNvPr id="1" name=""/>
+        <p:cNvGrpSpPr/>
+        <p:nvPr/>
+      </p:nvGrpSpPr>
+      <p:grpSpPr>
+        <a:xfrm>
+          <a:off x="0" y="0"/>
+          <a:ext cx="0" cy="0"/>
+          <a:chOff x="0" y="0"/>
+          <a:chExt cx="0" cy="0"/>
+        </a:xfrm>
+      </p:grpSpPr>
+      <p:sp>
+        <p:nvSpPr>
+          <p:cNvPr id="2" name="Slide Image Placeholder 1"/>
+          <p:cNvSpPr>
+            <a:spLocks noGrp="1" noRot="1" noChangeAspect="1"/>
+          </p:cNvSpPr>
+          <p:nvPr>
+            <p:ph type="sldImg"/>
+          </p:nvPr>
+        </p:nvSpPr>
+        <p:spPr/>
+      </p:sp>
+      <p:sp>
+        <p:nvSpPr>
+          <p:cNvPr id="3" name="Notes Placeholder 2"/>
+          <p:cNvSpPr>
+            <a:spLocks noGrp="1"/>
+          </p:cNvSpPr>
+          <p:nvPr>
+            <p:ph type="body" idx="1"/>
+          </p:nvPr>
+        </p:nvSpPr>
+        <p:spPr/>
+        <p:txBody>
+          <a:bodyPr>
+            <a:normAutofit/>
+          </a:bodyPr>
+          <a:lstStyle/>
+          <a:p>
+            <a:endParaRPr lang="en-US" dirty="0"/>
+          </a:p>
+        </p:txBody>
+      </p:sp>
+      <p:sp>
+        <p:nvSpPr>
+          <p:cNvPr id="4" name="Slide Number Placeholder 3"/>
+          <p:cNvSpPr>
+            <a:spLocks noGrp="1"/>
+          </p:cNvSpPr>
+          <p:nvPr>
+            <p:ph type="sldNum" sz="quarter" idx="10"/>
+          </p:nvPr>
+        </p:nvSpPr>
+        <p:spPr/>
+        <p:txBody>
+          <a:bodyPr/>
+          <a:lstStyle/>
+          <a:p>
+            <a:pPr algn="r" defTabSz="914400">
+              <a:buNone/>
+            </a:pPr>
+            <a:fld id="{2B891980-0BF3-461C-95D4-87E094E9751C}" type="slidenum">
+              <a:rPr lang="en-US" sz="1200" b="0" i="0">
+                <a:latin typeface="Calibri"/>
+                <a:ea typeface="+mn-ea"/>
+                <a:cs typeface="+mn-cs"/>
+              </a:rPr>
+              <a:t>12</a:t>
             </a:fld>
             <a:endParaRPr lang="en-US" sz="1200" b="0" i="0">
               <a:latin typeface="Calibri"/>
@@ -7577,11 +7765,7 @@
           <a:p>
             <a:r>
               <a:rPr kumimoji="1" lang="en-US" altLang="zh-TW" dirty="0" smtClean="0"/>
-              <a:t>B</a:t>
-            </a:r>
-            <a:r>
-              <a:rPr kumimoji="1" lang="en-US" altLang="zh-TW" dirty="0" smtClean="0"/>
-              <a:t>00902022 </a:t>
+              <a:t>B00902022 </a:t>
             </a:r>
             <a:r>
               <a:rPr kumimoji="1" lang="zh-TW" altLang="en-US" dirty="0" smtClean="0"/>
@@ -7592,11 +7776,7 @@
           <a:p>
             <a:r>
               <a:rPr kumimoji="1" lang="en-US" altLang="zh-TW" dirty="0" smtClean="0"/>
-              <a:t>B</a:t>
-            </a:r>
-            <a:r>
-              <a:rPr kumimoji="1" lang="en-US" altLang="zh-TW" dirty="0" smtClean="0"/>
-              <a:t>00902029</a:t>
+              <a:t>B00902029</a:t>
             </a:r>
             <a:r>
               <a:rPr kumimoji="1" lang="zh-TW" altLang="en-US" dirty="0" smtClean="0"/>
@@ -7792,29 +7972,25 @@
             </a:pPr>
             <a:r>
               <a:rPr kumimoji="1" lang="zh-TW" altLang="en-US" sz="2000" dirty="0" smtClean="0">
-                <a:latin typeface="Apple LiGothic Medium"/>
-                <a:ea typeface="Apple LiGothic Medium"/>
-                <a:cs typeface="Apple LiGothic Medium"/>
+                <a:latin typeface="儷黑 Pro"/>
+                <a:ea typeface="儷黑 Pro"/>
+                <a:cs typeface="儷黑 Pro"/>
               </a:rPr>
               <a:t>一個可以實作樂譜的</a:t>
             </a:r>
             <a:r>
               <a:rPr kumimoji="1" lang="en-US" altLang="zh-TW" sz="2000" dirty="0" smtClean="0">
-                <a:latin typeface="Apple LiGothic Medium"/>
-                <a:ea typeface="Apple LiGothic Medium"/>
-                <a:cs typeface="Apple LiGothic Medium"/>
-              </a:rPr>
-              <a:t> </a:t>
-            </a:r>
-            <a:r>
-              <a:rPr kumimoji="1" lang="en-US" altLang="zh-TW" sz="2000" dirty="0" smtClean="0">
-                <a:latin typeface="Apple LiGothic Medium"/>
-                <a:ea typeface="Apple LiGothic Medium"/>
-                <a:cs typeface="Apple LiGothic Medium"/>
-              </a:rPr>
-              <a:t>Tool</a:t>
-            </a:r>
-            <a:endParaRPr kumimoji="1" lang="en-US" altLang="zh-TW" dirty="0"/>
+                <a:latin typeface="儷黑 Pro"/>
+                <a:ea typeface="儷黑 Pro"/>
+                <a:cs typeface="儷黑 Pro"/>
+              </a:rPr>
+              <a:t> Tool</a:t>
+            </a:r>
+            <a:endParaRPr kumimoji="1" lang="en-US" altLang="zh-TW" dirty="0">
+              <a:latin typeface="儷黑 Pro"/>
+              <a:ea typeface="儷黑 Pro"/>
+              <a:cs typeface="儷黑 Pro"/>
+            </a:endParaRPr>
           </a:p>
           <a:p>
             <a:pPr marL="285750" indent="-285750">
@@ -7822,9 +7998,9 @@
               <a:buChar char="•"/>
             </a:pPr>
             <a:endParaRPr kumimoji="1" lang="en-US" altLang="zh-TW" sz="2000" dirty="0" smtClean="0">
-              <a:latin typeface="Apple LiGothic Medium"/>
-              <a:ea typeface="Apple LiGothic Medium"/>
-              <a:cs typeface="Apple LiGothic Medium"/>
+              <a:latin typeface="儷黑 Pro"/>
+              <a:ea typeface="儷黑 Pro"/>
+              <a:cs typeface="儷黑 Pro"/>
             </a:endParaRPr>
           </a:p>
           <a:p>
@@ -7833,9 +8009,9 @@
               <a:buChar char="•"/>
             </a:pPr>
             <a:endParaRPr kumimoji="1" lang="en-US" altLang="zh-TW" sz="2000" dirty="0" smtClean="0">
-              <a:latin typeface="Apple LiGothic Medium"/>
-              <a:ea typeface="Apple LiGothic Medium"/>
-              <a:cs typeface="Apple LiGothic Medium"/>
+              <a:latin typeface="儷黑 Pro"/>
+              <a:ea typeface="儷黑 Pro"/>
+              <a:cs typeface="儷黑 Pro"/>
             </a:endParaRPr>
           </a:p>
           <a:p>
@@ -7845,16 +8021,16 @@
             </a:pPr>
             <a:r>
               <a:rPr kumimoji="1" lang="zh-TW" altLang="en-US" sz="2000" dirty="0" smtClean="0">
-                <a:latin typeface="Apple LiGothic Medium"/>
-                <a:ea typeface="Apple LiGothic Medium"/>
-                <a:cs typeface="Apple LiGothic Medium"/>
+                <a:latin typeface="儷黑 Pro"/>
+                <a:ea typeface="儷黑 Pro"/>
+                <a:cs typeface="儷黑 Pro"/>
               </a:rPr>
               <a:t>可以做鋼琴、吉他譜</a:t>
             </a:r>
             <a:endParaRPr kumimoji="1" lang="en-US" altLang="zh-TW" sz="2000" dirty="0" smtClean="0">
-              <a:latin typeface="Apple LiGothic Medium"/>
-              <a:ea typeface="Apple LiGothic Medium"/>
-              <a:cs typeface="Apple LiGothic Medium"/>
+              <a:latin typeface="儷黑 Pro"/>
+              <a:ea typeface="儷黑 Pro"/>
+              <a:cs typeface="儷黑 Pro"/>
             </a:endParaRPr>
           </a:p>
           <a:p>
@@ -7863,9 +8039,9 @@
               <a:buChar char="•"/>
             </a:pPr>
             <a:endParaRPr kumimoji="1" lang="en-US" altLang="zh-TW" sz="2000" dirty="0">
-              <a:latin typeface="Apple LiGothic Medium"/>
-              <a:ea typeface="Apple LiGothic Medium"/>
-              <a:cs typeface="Apple LiGothic Medium"/>
+              <a:latin typeface="儷黑 Pro"/>
+              <a:ea typeface="儷黑 Pro"/>
+              <a:cs typeface="儷黑 Pro"/>
             </a:endParaRPr>
           </a:p>
           <a:p>
@@ -7875,16 +8051,16 @@
             </a:pPr>
             <a:r>
               <a:rPr kumimoji="1" lang="zh-TW" altLang="en-US" sz="2000" dirty="0" smtClean="0">
-                <a:latin typeface="Apple LiGothic Medium"/>
-                <a:ea typeface="Apple LiGothic Medium"/>
-                <a:cs typeface="Apple LiGothic Medium"/>
+                <a:latin typeface="儷黑 Pro"/>
+                <a:ea typeface="儷黑 Pro"/>
+                <a:cs typeface="儷黑 Pro"/>
               </a:rPr>
               <a:t>支援琴譜上所有的符號</a:t>
             </a:r>
             <a:endParaRPr kumimoji="1" lang="en-US" altLang="zh-TW" sz="2000" dirty="0" smtClean="0">
-              <a:latin typeface="Apple LiGothic Medium"/>
-              <a:ea typeface="Apple LiGothic Medium"/>
-              <a:cs typeface="Apple LiGothic Medium"/>
+              <a:latin typeface="儷黑 Pro"/>
+              <a:ea typeface="儷黑 Pro"/>
+              <a:cs typeface="儷黑 Pro"/>
             </a:endParaRPr>
           </a:p>
           <a:p>
@@ -7893,9 +8069,9 @@
               <a:buChar char="•"/>
             </a:pPr>
             <a:endParaRPr kumimoji="1" lang="en-US" altLang="zh-TW" sz="2000" dirty="0">
-              <a:latin typeface="Apple LiGothic Medium"/>
-              <a:ea typeface="Apple LiGothic Medium"/>
-              <a:cs typeface="Apple LiGothic Medium"/>
+              <a:latin typeface="儷黑 Pro"/>
+              <a:ea typeface="儷黑 Pro"/>
+              <a:cs typeface="儷黑 Pro"/>
             </a:endParaRPr>
           </a:p>
           <a:p>
@@ -7905,57 +8081,57 @@
             </a:pPr>
             <a:r>
               <a:rPr kumimoji="1" lang="en-US" altLang="zh-TW" sz="2000" dirty="0" smtClean="0">
-                <a:latin typeface="Apple LiGothic Medium"/>
-                <a:ea typeface="Apple LiGothic Medium"/>
-                <a:cs typeface="Apple LiGothic Medium"/>
+                <a:latin typeface="儷黑 Pro"/>
+                <a:ea typeface="儷黑 Pro"/>
+                <a:cs typeface="儷黑 Pro"/>
               </a:rPr>
               <a:t>Not</a:t>
             </a:r>
             <a:r>
               <a:rPr kumimoji="1" lang="zh-TW" altLang="en-US" sz="2000" dirty="0" smtClean="0">
-                <a:latin typeface="Apple LiGothic Medium"/>
-                <a:ea typeface="Apple LiGothic Medium"/>
-                <a:cs typeface="Apple LiGothic Medium"/>
+                <a:latin typeface="儷黑 Pro"/>
+                <a:ea typeface="儷黑 Pro"/>
+                <a:cs typeface="儷黑 Pro"/>
               </a:rPr>
               <a:t> </a:t>
             </a:r>
             <a:r>
               <a:rPr kumimoji="1" lang="en-US" altLang="zh-TW" sz="2000" dirty="0" smtClean="0">
-                <a:latin typeface="Apple LiGothic Medium"/>
-                <a:ea typeface="Apple LiGothic Medium"/>
-                <a:cs typeface="Apple LiGothic Medium"/>
+                <a:latin typeface="儷黑 Pro"/>
+                <a:ea typeface="儷黑 Pro"/>
+                <a:cs typeface="儷黑 Pro"/>
               </a:rPr>
               <a:t>User</a:t>
             </a:r>
             <a:r>
               <a:rPr kumimoji="1" lang="zh-TW" altLang="en-US" sz="2000" dirty="0" smtClean="0">
-                <a:latin typeface="Apple LiGothic Medium"/>
-                <a:ea typeface="Apple LiGothic Medium"/>
-                <a:cs typeface="Apple LiGothic Medium"/>
+                <a:latin typeface="儷黑 Pro"/>
+                <a:ea typeface="儷黑 Pro"/>
+                <a:cs typeface="儷黑 Pro"/>
               </a:rPr>
               <a:t> </a:t>
             </a:r>
             <a:r>
               <a:rPr kumimoji="1" lang="en-US" altLang="zh-TW" sz="2000" dirty="0" smtClean="0">
-                <a:latin typeface="Apple LiGothic Medium"/>
-                <a:ea typeface="Apple LiGothic Medium"/>
-                <a:cs typeface="Apple LiGothic Medium"/>
+                <a:latin typeface="儷黑 Pro"/>
+                <a:ea typeface="儷黑 Pro"/>
+                <a:cs typeface="儷黑 Pro"/>
               </a:rPr>
               <a:t>Friendly</a:t>
             </a:r>
             <a:r>
               <a:rPr kumimoji="1" lang="zh-TW" altLang="en-US" sz="2000" dirty="0" smtClean="0">
-                <a:latin typeface="Apple LiGothic Medium"/>
-                <a:ea typeface="Apple LiGothic Medium"/>
-                <a:cs typeface="Apple LiGothic Medium"/>
+                <a:latin typeface="儷黑 Pro"/>
+                <a:ea typeface="儷黑 Pro"/>
+                <a:cs typeface="儷黑 Pro"/>
               </a:rPr>
               <a:t> </a:t>
             </a:r>
             <a:r>
               <a:rPr kumimoji="1" lang="en-US" altLang="zh-TW" sz="2000" dirty="0" smtClean="0">
-                <a:latin typeface="Apple LiGothic Medium"/>
-                <a:ea typeface="Apple LiGothic Medium"/>
-                <a:cs typeface="Apple LiGothic Medium"/>
+                <a:latin typeface="儷黑 Pro"/>
+                <a:ea typeface="儷黑 Pro"/>
+                <a:cs typeface="儷黑 Pro"/>
               </a:rPr>
               <a:t>!!!</a:t>
             </a:r>
@@ -7963,56 +8139,56 @@
           <a:p>
             <a:r>
               <a:rPr kumimoji="1" lang="en-US" altLang="zh-TW" sz="2000" dirty="0" smtClean="0">
-                <a:latin typeface="Apple LiGothic Medium"/>
-                <a:ea typeface="Apple LiGothic Medium"/>
-                <a:cs typeface="Apple LiGothic Medium"/>
+                <a:latin typeface="儷黑 Pro"/>
+                <a:ea typeface="儷黑 Pro"/>
+                <a:cs typeface="儷黑 Pro"/>
               </a:rPr>
               <a:t>	</a:t>
             </a:r>
             <a:r>
               <a:rPr kumimoji="1" lang="zh-TW" altLang="zh-TW" sz="2000" dirty="0" smtClean="0">
-                <a:latin typeface="Apple LiGothic Medium"/>
-                <a:ea typeface="Apple LiGothic Medium"/>
-                <a:cs typeface="Apple LiGothic Medium"/>
+                <a:latin typeface="儷黑 Pro"/>
+                <a:ea typeface="儷黑 Pro"/>
+                <a:cs typeface="儷黑 Pro"/>
               </a:rPr>
               <a:t>p</a:t>
             </a:r>
             <a:r>
               <a:rPr kumimoji="1" lang="en-US" altLang="zh-TW" sz="2000" dirty="0" smtClean="0">
-                <a:latin typeface="Apple LiGothic Medium"/>
-                <a:ea typeface="Apple LiGothic Medium"/>
-                <a:cs typeface="Apple LiGothic Medium"/>
+                <a:latin typeface="儷黑 Pro"/>
+                <a:ea typeface="儷黑 Pro"/>
+                <a:cs typeface="儷黑 Pro"/>
               </a:rPr>
               <a:t>.s</a:t>
             </a:r>
             <a:r>
               <a:rPr kumimoji="1" lang="zh-TW" altLang="en-US" sz="2000" dirty="0" smtClean="0">
-                <a:latin typeface="Apple LiGothic Medium"/>
-                <a:ea typeface="Apple LiGothic Medium"/>
-                <a:cs typeface="Apple LiGothic Medium"/>
+                <a:latin typeface="儷黑 Pro"/>
+                <a:ea typeface="儷黑 Pro"/>
+                <a:cs typeface="儷黑 Pro"/>
               </a:rPr>
               <a:t> 用 </a:t>
             </a:r>
             <a:r>
               <a:rPr kumimoji="1" lang="en-US" altLang="zh-TW" sz="2000" dirty="0" smtClean="0">
-                <a:latin typeface="Apple LiGothic Medium"/>
-                <a:ea typeface="Apple LiGothic Medium"/>
-                <a:cs typeface="Apple LiGothic Medium"/>
+                <a:latin typeface="儷黑 Pro"/>
+                <a:ea typeface="儷黑 Pro"/>
+                <a:cs typeface="儷黑 Pro"/>
               </a:rPr>
               <a:t>code</a:t>
             </a:r>
             <a:r>
               <a:rPr kumimoji="1" lang="zh-TW" altLang="en-US" sz="2000" dirty="0" smtClean="0">
-                <a:latin typeface="Apple LiGothic Medium"/>
-                <a:ea typeface="Apple LiGothic Medium"/>
-                <a:cs typeface="Apple LiGothic Medium"/>
+                <a:latin typeface="儷黑 Pro"/>
+                <a:ea typeface="儷黑 Pro"/>
+                <a:cs typeface="儷黑 Pro"/>
               </a:rPr>
               <a:t> 寫樂譜</a:t>
             </a:r>
             <a:endParaRPr kumimoji="1" lang="en-US" altLang="zh-TW" sz="2000" dirty="0" smtClean="0">
-              <a:latin typeface="Apple LiGothic Medium"/>
-              <a:ea typeface="Apple LiGothic Medium"/>
-              <a:cs typeface="Apple LiGothic Medium"/>
+              <a:latin typeface="儷黑 Pro"/>
+              <a:ea typeface="儷黑 Pro"/>
+              <a:cs typeface="儷黑 Pro"/>
             </a:endParaRPr>
           </a:p>
         </p:txBody>
@@ -8060,13 +8236,13 @@
   <p:clrMapOvr>
     <a:masterClrMapping/>
   </p:clrMapOvr>
-  <mc:AlternateContent xmlns:mc="http://schemas.openxmlformats.org/markup-compatibility/2006">
-    <mc:Choice xmlns:p14="http://schemas.microsoft.com/office/powerpoint/2010/main" Requires="p14">
+  <mc:AlternateContent xmlns:mc="http://schemas.openxmlformats.org/markup-compatibility/2006" xmlns:p14="http://schemas.microsoft.com/office/powerpoint/2010/main">
+    <mc:Choice Requires="p14">
       <p:transition spd="med" p14:dur="700">
         <p:fade/>
       </p:transition>
     </mc:Choice>
-    <mc:Fallback>
+    <mc:Fallback xmlns="">
       <p:transition xmlns:p14="http://schemas.microsoft.com/office/powerpoint/2010/main" spd="med">
         <p:fade/>
       </p:transition>
@@ -8144,6 +8320,546 @@
             </p:seq>
           </p:childTnLst>
         </p:cTn>
+      </p:par>
+    </p:tnLst>
+  </p:timing>
+</p:sld>
+</file>
+
+<file path=ppt/slides/slide11.xml><?xml version="1.0" encoding="utf-8"?>
+<p:sld xmlns:a="http://schemas.openxmlformats.org/drawingml/2006/main" xmlns:r="http://schemas.openxmlformats.org/officeDocument/2006/relationships" xmlns:p="http://schemas.openxmlformats.org/presentationml/2006/main">
+  <p:cSld>
+    <p:spTree>
+      <p:nvGrpSpPr>
+        <p:cNvPr id="1" name=""/>
+        <p:cNvGrpSpPr/>
+        <p:nvPr/>
+      </p:nvGrpSpPr>
+      <p:grpSpPr>
+        <a:xfrm>
+          <a:off x="0" y="0"/>
+          <a:ext cx="0" cy="0"/>
+          <a:chOff x="0" y="0"/>
+          <a:chExt cx="0" cy="0"/>
+        </a:xfrm>
+      </p:grpSpPr>
+      <p:sp>
+        <p:nvSpPr>
+          <p:cNvPr id="2" name="標題 1"/>
+          <p:cNvSpPr>
+            <a:spLocks noGrp="1"/>
+          </p:cNvSpPr>
+          <p:nvPr>
+            <p:ph type="title"/>
+          </p:nvPr>
+        </p:nvSpPr>
+        <p:spPr/>
+        <p:txBody>
+          <a:bodyPr/>
+          <a:lstStyle/>
+          <a:p>
+            <a:r>
+              <a:rPr kumimoji="1" lang="zh-TW" altLang="en-US" dirty="0" smtClean="0">
+                <a:latin typeface="儷黑 Pro"/>
+                <a:ea typeface="儷黑 Pro"/>
+                <a:cs typeface="儷黑 Pro"/>
+              </a:rPr>
+              <a:t>更好的使用者體驗</a:t>
+            </a:r>
+            <a:endParaRPr kumimoji="1" lang="zh-TW" altLang="en-US" dirty="0">
+              <a:latin typeface="儷黑 Pro"/>
+              <a:ea typeface="儷黑 Pro"/>
+              <a:cs typeface="儷黑 Pro"/>
+            </a:endParaRPr>
+          </a:p>
+        </p:txBody>
+      </p:sp>
+      <p:sp>
+        <p:nvSpPr>
+          <p:cNvPr id="4" name="文字版面配置區 3"/>
+          <p:cNvSpPr>
+            <a:spLocks noGrp="1"/>
+          </p:cNvSpPr>
+          <p:nvPr>
+            <p:ph type="body" idx="1"/>
+          </p:nvPr>
+        </p:nvSpPr>
+        <p:spPr/>
+        <p:txBody>
+          <a:bodyPr/>
+          <a:lstStyle/>
+          <a:p>
+            <a:r>
+              <a:rPr kumimoji="1" lang="zh-TW" altLang="en-US" dirty="0" smtClean="0"/>
+              <a:t>使用者調查</a:t>
+            </a:r>
+            <a:endParaRPr kumimoji="1" lang="zh-TW" altLang="en-US" dirty="0"/>
+          </a:p>
+        </p:txBody>
+      </p:sp>
+    </p:spTree>
+    <p:extLst>
+      <p:ext uri="{BB962C8B-B14F-4D97-AF65-F5344CB8AC3E}">
+        <p14:creationId xmlns:p14="http://schemas.microsoft.com/office/powerpoint/2010/main" val="1286647936"/>
+      </p:ext>
+    </p:extLst>
+  </p:cSld>
+  <p:clrMapOvr>
+    <a:masterClrMapping/>
+  </p:clrMapOvr>
+  <mc:AlternateContent xmlns:mc="http://schemas.openxmlformats.org/markup-compatibility/2006" xmlns:p14="http://schemas.microsoft.com/office/powerpoint/2010/main">
+    <mc:Choice Requires="p14">
+      <p:transition spd="slow" p14:dur="1700">
+        <p14:gallery dir="l"/>
+      </p:transition>
+    </mc:Choice>
+    <mc:Fallback xmlns="">
+      <p:transition spd="slow">
+        <p:fade/>
+      </p:transition>
+    </mc:Fallback>
+  </mc:AlternateContent>
+  <p:timing>
+    <p:tnLst>
+      <p:par>
+        <p:cTn xmlns:p14="http://schemas.microsoft.com/office/powerpoint/2010/main" id="1" dur="indefinite" restart="never" nodeType="tmRoot"/>
+      </p:par>
+    </p:tnLst>
+  </p:timing>
+</p:sld>
+</file>
+
+<file path=ppt/slides/slide12.xml><?xml version="1.0" encoding="utf-8"?>
+<p:sld xmlns:a="http://schemas.openxmlformats.org/drawingml/2006/main" xmlns:r="http://schemas.openxmlformats.org/officeDocument/2006/relationships" xmlns:p="http://schemas.openxmlformats.org/presentationml/2006/main">
+  <p:cSld>
+    <p:spTree>
+      <p:nvGrpSpPr>
+        <p:cNvPr id="1" name=""/>
+        <p:cNvGrpSpPr/>
+        <p:nvPr/>
+      </p:nvGrpSpPr>
+      <p:grpSpPr>
+        <a:xfrm>
+          <a:off x="0" y="0"/>
+          <a:ext cx="0" cy="0"/>
+          <a:chOff x="0" y="0"/>
+          <a:chExt cx="0" cy="0"/>
+        </a:xfrm>
+      </p:grpSpPr>
+      <p:sp>
+        <p:nvSpPr>
+          <p:cNvPr id="9" name="Title 8"/>
+          <p:cNvSpPr>
+            <a:spLocks noGrp="1"/>
+          </p:cNvSpPr>
+          <p:nvPr>
+            <p:ph type="title"/>
+          </p:nvPr>
+        </p:nvSpPr>
+        <p:spPr>
+          <a:xfrm>
+            <a:off x="434622" y="76200"/>
+            <a:ext cx="6651978" cy="734291"/>
+          </a:xfrm>
+        </p:spPr>
+        <p:txBody>
+          <a:bodyPr anchor="b">
+            <a:normAutofit/>
+          </a:bodyPr>
+          <a:lstStyle/>
+          <a:p>
+            <a:pPr algn="l" defTabSz="914400">
+              <a:spcBef>
+                <a:spcPts val="0"/>
+              </a:spcBef>
+              <a:buNone/>
+            </a:pPr>
+            <a:r>
+              <a:rPr lang="zh-TW" altLang="en-US" sz="2800" b="0" i="0" dirty="0" smtClean="0">
+                <a:solidFill>
+                  <a:schemeClr val="bg1"/>
+                </a:solidFill>
+                <a:latin typeface="儷黑 Pro"/>
+                <a:ea typeface="儷黑 Pro"/>
+                <a:cs typeface="+mn-cs"/>
+              </a:rPr>
+              <a:t>使用者回饋</a:t>
+            </a:r>
+            <a:r>
+              <a:rPr lang="en-US" altLang="zh-TW" sz="2800" b="0" i="0" dirty="0" smtClean="0">
+                <a:solidFill>
+                  <a:schemeClr val="bg1"/>
+                </a:solidFill>
+                <a:latin typeface="儷黑 Pro"/>
+                <a:ea typeface="儷黑 Pro"/>
+                <a:cs typeface="+mn-cs"/>
+              </a:rPr>
+              <a:t> – feedback</a:t>
+            </a:r>
+            <a:endParaRPr lang="en-US" sz="2800" b="0" i="0" dirty="0">
+              <a:solidFill>
+                <a:schemeClr val="bg1"/>
+              </a:solidFill>
+              <a:latin typeface="儷黑 Pro"/>
+              <a:ea typeface="儷黑 Pro"/>
+              <a:cs typeface="+mn-cs"/>
+            </a:endParaRPr>
+          </a:p>
+        </p:txBody>
+      </p:sp>
+      <p:sp>
+        <p:nvSpPr>
+          <p:cNvPr id="4" name="文字方塊 3"/>
+          <p:cNvSpPr txBox="1"/>
+          <p:nvPr/>
+        </p:nvSpPr>
+        <p:spPr>
+          <a:xfrm>
+            <a:off x="914400" y="1600200"/>
+            <a:ext cx="7315200" cy="4401205"/>
+          </a:xfrm>
+          <a:prstGeom prst="rect">
+            <a:avLst/>
+          </a:prstGeom>
+          <a:noFill/>
+        </p:spPr>
+        <p:txBody>
+          <a:bodyPr wrap="square" rtlCol="0">
+            <a:spAutoFit/>
+          </a:bodyPr>
+          <a:lstStyle/>
+          <a:p>
+            <a:pPr marL="285750" indent="-285750">
+              <a:buFont typeface="Arial"/>
+              <a:buChar char="•"/>
+            </a:pPr>
+            <a:r>
+              <a:rPr kumimoji="1" lang="zh-TW" altLang="en-US" sz="2000" dirty="0" smtClean="0">
+                <a:latin typeface="儷黑 Pro"/>
+                <a:ea typeface="儷黑 Pro"/>
+                <a:cs typeface="儷黑 Pro"/>
+              </a:rPr>
+              <a:t>樣本：</a:t>
+            </a:r>
+            <a:r>
+              <a:rPr kumimoji="1" lang="en-US" altLang="zh-TW" sz="2000" dirty="0" smtClean="0">
+                <a:latin typeface="儷黑 Pro"/>
+                <a:ea typeface="儷黑 Pro"/>
+                <a:cs typeface="儷黑 Pro"/>
+              </a:rPr>
+              <a:t>23</a:t>
+            </a:r>
+            <a:r>
+              <a:rPr kumimoji="1" lang="zh-TW" altLang="en-US" sz="2000" dirty="0" smtClean="0">
+                <a:latin typeface="儷黑 Pro"/>
+                <a:ea typeface="儷黑 Pro"/>
+                <a:cs typeface="儷黑 Pro"/>
+              </a:rPr>
+              <a:t>人</a:t>
+            </a:r>
+            <a:endParaRPr kumimoji="1" lang="en-US" altLang="zh-TW" sz="2000" dirty="0" smtClean="0">
+              <a:latin typeface="儷黑 Pro"/>
+              <a:ea typeface="儷黑 Pro"/>
+              <a:cs typeface="儷黑 Pro"/>
+            </a:endParaRPr>
+          </a:p>
+          <a:p>
+            <a:pPr marL="285750" indent="-285750">
+              <a:buFont typeface="Arial"/>
+              <a:buChar char="•"/>
+            </a:pPr>
+            <a:endParaRPr kumimoji="1" lang="en-US" altLang="zh-TW" sz="2000" dirty="0">
+              <a:latin typeface="儷黑 Pro"/>
+              <a:ea typeface="儷黑 Pro"/>
+              <a:cs typeface="儷黑 Pro"/>
+            </a:endParaRPr>
+          </a:p>
+          <a:p>
+            <a:pPr marL="285750" indent="-285750">
+              <a:buFont typeface="Arial"/>
+              <a:buChar char="•"/>
+            </a:pPr>
+            <a:r>
+              <a:rPr kumimoji="1" lang="zh-TW" altLang="en-US" sz="2000" dirty="0" smtClean="0">
+                <a:latin typeface="儷黑 Pro"/>
+                <a:ea typeface="儷黑 Pro"/>
+                <a:cs typeface="儷黑 Pro"/>
+              </a:rPr>
+              <a:t>應該提供節拍器</a:t>
+            </a:r>
+            <a:endParaRPr kumimoji="1" lang="en-US" altLang="zh-TW" sz="2000" dirty="0" smtClean="0">
+              <a:latin typeface="儷黑 Pro"/>
+              <a:ea typeface="儷黑 Pro"/>
+              <a:cs typeface="儷黑 Pro"/>
+            </a:endParaRPr>
+          </a:p>
+          <a:p>
+            <a:pPr marL="742950" lvl="1" indent="-285750">
+              <a:buFont typeface="Arial"/>
+              <a:buChar char="•"/>
+            </a:pPr>
+            <a:r>
+              <a:rPr kumimoji="1" lang="zh-TW" altLang="en-US" sz="2000" dirty="0" smtClean="0">
+                <a:latin typeface="儷黑 Pro"/>
+                <a:ea typeface="儷黑 Pro"/>
+                <a:cs typeface="儷黑 Pro"/>
+              </a:rPr>
+              <a:t>已解決，新增在鋼琴界面右上角</a:t>
+            </a:r>
+            <a:endParaRPr kumimoji="1" lang="en-US" altLang="zh-TW" sz="2000" dirty="0" smtClean="0">
+              <a:latin typeface="儷黑 Pro"/>
+              <a:ea typeface="儷黑 Pro"/>
+              <a:cs typeface="儷黑 Pro"/>
+            </a:endParaRPr>
+          </a:p>
+          <a:p>
+            <a:pPr marL="285750" indent="-285750">
+              <a:buFont typeface="Arial"/>
+              <a:buChar char="•"/>
+            </a:pPr>
+            <a:r>
+              <a:rPr kumimoji="1" lang="zh-TW" altLang="en-US" sz="2000" dirty="0" smtClean="0">
+                <a:latin typeface="儷黑 Pro"/>
+                <a:ea typeface="儷黑 Pro"/>
+                <a:cs typeface="儷黑 Pro"/>
+              </a:rPr>
+              <a:t>鍵盤錯位，左手上右手下</a:t>
+            </a:r>
+            <a:endParaRPr kumimoji="1" lang="en-US" altLang="zh-TW" sz="2000" dirty="0">
+              <a:latin typeface="儷黑 Pro"/>
+              <a:ea typeface="儷黑 Pro"/>
+              <a:cs typeface="儷黑 Pro"/>
+            </a:endParaRPr>
+          </a:p>
+          <a:p>
+            <a:pPr marL="742950" lvl="1" indent="-285750">
+              <a:buFont typeface="Arial"/>
+              <a:buChar char="•"/>
+            </a:pPr>
+            <a:r>
+              <a:rPr kumimoji="1" lang="zh-TW" altLang="en-US" sz="2000" dirty="0" smtClean="0">
+                <a:latin typeface="儷黑 Pro"/>
+                <a:ea typeface="儷黑 Pro"/>
+                <a:cs typeface="儷黑 Pro"/>
+              </a:rPr>
+              <a:t>新增用滑鼠點按，不過仍需調查是否換手會更順暢</a:t>
+            </a:r>
+            <a:endParaRPr kumimoji="1" lang="en-US" altLang="zh-TW" sz="2000" dirty="0" smtClean="0">
+              <a:latin typeface="儷黑 Pro"/>
+              <a:ea typeface="儷黑 Pro"/>
+              <a:cs typeface="儷黑 Pro"/>
+            </a:endParaRPr>
+          </a:p>
+          <a:p>
+            <a:pPr marL="285750" indent="-285750">
+              <a:buFont typeface="Arial"/>
+              <a:buChar char="•"/>
+            </a:pPr>
+            <a:r>
+              <a:rPr kumimoji="1" lang="zh-TW" altLang="en-US" sz="2000" dirty="0" smtClean="0">
+                <a:latin typeface="儷黑 Pro"/>
+                <a:ea typeface="儷黑 Pro"/>
+                <a:cs typeface="儷黑 Pro"/>
+              </a:rPr>
+              <a:t>同時點按多個鍵，有一定機率讓瀏覽器 </a:t>
+            </a:r>
+            <a:r>
+              <a:rPr kumimoji="1" lang="en-US" altLang="zh-TW" sz="2000" dirty="0" smtClean="0">
+                <a:latin typeface="儷黑 Pro"/>
+                <a:ea typeface="儷黑 Pro"/>
+                <a:cs typeface="儷黑 Pro"/>
+              </a:rPr>
+              <a:t>Crash</a:t>
+            </a:r>
+          </a:p>
+          <a:p>
+            <a:pPr marL="742950" lvl="1" indent="-285750">
+              <a:buFont typeface="Arial"/>
+              <a:buChar char="•"/>
+            </a:pPr>
+            <a:r>
+              <a:rPr kumimoji="1" lang="zh-TW" altLang="en-US" sz="2000" dirty="0" smtClean="0">
+                <a:latin typeface="儷黑 Pro"/>
+                <a:ea typeface="儷黑 Pro"/>
+                <a:cs typeface="儷黑 Pro"/>
+              </a:rPr>
+              <a:t>尚未</a:t>
+            </a:r>
+            <a:r>
+              <a:rPr kumimoji="1" lang="zh-TW" altLang="en-US" sz="2000" dirty="0" smtClean="0">
+                <a:latin typeface="儷黑 Pro"/>
+                <a:ea typeface="儷黑 Pro"/>
+                <a:cs typeface="儷黑 Pro"/>
+              </a:rPr>
+              <a:t>解決</a:t>
+            </a:r>
+            <a:endParaRPr kumimoji="1" lang="en-US" altLang="zh-TW" sz="2000" dirty="0" smtClean="0">
+              <a:latin typeface="儷黑 Pro"/>
+              <a:ea typeface="儷黑 Pro"/>
+              <a:cs typeface="儷黑 Pro"/>
+            </a:endParaRPr>
+          </a:p>
+          <a:p>
+            <a:pPr marL="742950" lvl="1" indent="-285750">
+              <a:buFont typeface="Arial"/>
+              <a:buChar char="•"/>
+            </a:pPr>
+            <a:r>
+              <a:rPr kumimoji="1" lang="zh-TW" altLang="en-US" sz="2000" dirty="0" smtClean="0">
+                <a:latin typeface="儷黑 Pro"/>
+                <a:ea typeface="儷黑 Pro"/>
+                <a:cs typeface="儷黑 Pro"/>
+              </a:rPr>
+              <a:t>比較偏向瀏覽器記憶體</a:t>
+            </a:r>
+            <a:r>
+              <a:rPr kumimoji="1" lang="zh-TW" altLang="en-US" sz="2000" smtClean="0">
+                <a:latin typeface="儷黑 Pro"/>
+                <a:ea typeface="儷黑 Pro"/>
+                <a:cs typeface="儷黑 Pro"/>
+              </a:rPr>
+              <a:t>的部分，還沒深入研究</a:t>
+            </a:r>
+            <a:endParaRPr kumimoji="1" lang="en-US" altLang="zh-TW" sz="2000" dirty="0" smtClean="0">
+              <a:latin typeface="儷黑 Pro"/>
+              <a:ea typeface="儷黑 Pro"/>
+              <a:cs typeface="儷黑 Pro"/>
+            </a:endParaRPr>
+          </a:p>
+          <a:p>
+            <a:pPr marL="285750" indent="-285750">
+              <a:buFont typeface="Arial"/>
+              <a:buChar char="•"/>
+            </a:pPr>
+            <a:r>
+              <a:rPr kumimoji="1" lang="zh-TW" altLang="en-US" sz="2000" dirty="0" smtClean="0">
+                <a:latin typeface="儷黑 Pro"/>
+                <a:ea typeface="儷黑 Pro"/>
+                <a:cs typeface="儷黑 Pro"/>
+              </a:rPr>
+              <a:t>提供彈奏完書寫樂譜名稱的機制</a:t>
+            </a:r>
+            <a:endParaRPr kumimoji="1" lang="en-US" altLang="zh-TW" sz="2000" dirty="0" smtClean="0">
+              <a:latin typeface="儷黑 Pro"/>
+              <a:ea typeface="儷黑 Pro"/>
+              <a:cs typeface="儷黑 Pro"/>
+            </a:endParaRPr>
+          </a:p>
+          <a:p>
+            <a:pPr marL="742950" lvl="1" indent="-285750">
+              <a:buFont typeface="Arial"/>
+              <a:buChar char="•"/>
+            </a:pPr>
+            <a:r>
+              <a:rPr kumimoji="1" lang="zh-TW" altLang="en-US" sz="2000" dirty="0" smtClean="0">
+                <a:latin typeface="儷黑 Pro"/>
+                <a:ea typeface="儷黑 Pro"/>
+                <a:cs typeface="儷黑 Pro"/>
+              </a:rPr>
+              <a:t>尚未解決，好解決只是太晚收到這個</a:t>
+            </a:r>
+            <a:r>
+              <a:rPr kumimoji="1" lang="en-US" altLang="zh-TW" sz="2000" dirty="0" smtClean="0">
+                <a:latin typeface="儷黑 Pro"/>
+                <a:ea typeface="儷黑 Pro"/>
+                <a:cs typeface="儷黑 Pro"/>
+              </a:rPr>
+              <a:t>feedback</a:t>
+            </a:r>
+            <a:r>
+              <a:rPr kumimoji="1" lang="zh-TW" altLang="en-US" sz="2000" dirty="0" smtClean="0">
+                <a:latin typeface="儷黑 Pro"/>
+                <a:ea typeface="儷黑 Pro"/>
+                <a:cs typeface="儷黑 Pro"/>
+              </a:rPr>
+              <a:t>，來不及</a:t>
+            </a:r>
+            <a:endParaRPr kumimoji="1" lang="en-US" altLang="zh-TW" sz="2000" dirty="0" smtClean="0">
+              <a:latin typeface="儷黑 Pro"/>
+              <a:ea typeface="儷黑 Pro"/>
+              <a:cs typeface="儷黑 Pro"/>
+            </a:endParaRPr>
+          </a:p>
+          <a:p>
+            <a:pPr marL="285750" indent="-285750">
+              <a:buFont typeface="Arial"/>
+              <a:buChar char="•"/>
+            </a:pPr>
+            <a:r>
+              <a:rPr kumimoji="1" lang="zh-TW" altLang="en-US" sz="2000" dirty="0" smtClean="0">
+                <a:latin typeface="儷黑 Pro"/>
+                <a:ea typeface="儷黑 Pro"/>
+                <a:cs typeface="儷黑 Pro"/>
+              </a:rPr>
+              <a:t>是否可以外接鋼琴鍵盤</a:t>
+            </a:r>
+            <a:endParaRPr kumimoji="1" lang="en-US" altLang="zh-TW" sz="2000" dirty="0" smtClean="0">
+              <a:latin typeface="儷黑 Pro"/>
+              <a:ea typeface="儷黑 Pro"/>
+              <a:cs typeface="儷黑 Pro"/>
+            </a:endParaRPr>
+          </a:p>
+          <a:p>
+            <a:pPr marL="742950" lvl="1" indent="-285750">
+              <a:buFont typeface="Arial"/>
+              <a:buChar char="•"/>
+            </a:pPr>
+            <a:r>
+              <a:rPr kumimoji="1" lang="zh-TW" altLang="en-US" sz="2000" dirty="0" smtClean="0">
+                <a:latin typeface="儷黑 Pro"/>
+                <a:ea typeface="儷黑 Pro"/>
+                <a:cs typeface="儷黑 Pro"/>
+              </a:rPr>
+              <a:t>情感上可以，但仍未證實</a:t>
+            </a:r>
+            <a:endParaRPr kumimoji="1" lang="en-US" altLang="zh-TW" sz="2000" dirty="0">
+              <a:latin typeface="儷黑 Pro"/>
+              <a:ea typeface="儷黑 Pro"/>
+              <a:cs typeface="儷黑 Pro"/>
+            </a:endParaRPr>
+          </a:p>
+          <a:p>
+            <a:pPr marL="285750" indent="-285750">
+              <a:buFont typeface="Arial"/>
+              <a:buChar char="•"/>
+            </a:pPr>
+            <a:endParaRPr kumimoji="1" lang="en-US" altLang="zh-TW" sz="2000" dirty="0" smtClean="0">
+              <a:latin typeface="儷黑 Pro"/>
+              <a:ea typeface="儷黑 Pro"/>
+              <a:cs typeface="儷黑 Pro"/>
+            </a:endParaRPr>
+          </a:p>
+        </p:txBody>
+      </p:sp>
+    </p:spTree>
+    <p:custDataLst>
+      <p:tags r:id="rId1"/>
+    </p:custDataLst>
+    <p:extLst>
+      <p:ext uri="{BB962C8B-B14F-4D97-AF65-F5344CB8AC3E}">
+        <p14:creationId xmlns:p14="http://schemas.microsoft.com/office/powerpoint/2010/main" val="3940138038"/>
+      </p:ext>
+    </p:extLst>
+  </p:cSld>
+  <p:clrMapOvr>
+    <a:masterClrMapping/>
+  </p:clrMapOvr>
+  <mc:AlternateContent xmlns:mc="http://schemas.openxmlformats.org/markup-compatibility/2006" xmlns:p14="http://schemas.microsoft.com/office/powerpoint/2010/main">
+    <mc:Choice Requires="p14">
+      <p:transition spd="med" p14:dur="700">
+        <p:fade/>
+      </p:transition>
+    </mc:Choice>
+    <mc:Fallback xmlns="">
+      <p:transition xmlns:p14="http://schemas.microsoft.com/office/powerpoint/2010/main" spd="med">
+        <p:fade/>
+      </p:transition>
+    </mc:Fallback>
+  </mc:AlternateContent>
+  <p:timing>
+    <p:tnLst>
+      <p:par>
+        <p:cTn xmlns:p14="http://schemas.microsoft.com/office/powerpoint/2010/main" id="1" dur="indefinite" restart="never" nodeType="tmRoot"/>
       </p:par>
     </p:tnLst>
   </p:timing>
@@ -8747,24 +9463,7 @@
                   <a:latin typeface="Calibri"/>
                   <a:ea typeface="儷黑 Pro"/>
                 </a:rPr>
-                <a:t>v</a:t>
-              </a:r>
-              <a:r>
-                <a:rPr lang="en-US" altLang="zh-TW" sz="2400" b="1" spc="60" dirty="0" err="1" smtClean="0">
-                  <a:solidFill>
-                    <a:schemeClr val="bg1"/>
-                  </a:solidFill>
-                  <a:effectLst>
-                    <a:outerShdw blurRad="50800" dist="25400" dir="5400000" algn="t">
-                      <a:prstClr val="black">
-                        <a:alpha val="15000"/>
-                      </a:prstClr>
-                    </a:outerShdw>
-                  </a:effectLst>
-                  <a:latin typeface="Calibri"/>
-                  <a:ea typeface="儷黑 Pro"/>
-                </a:rPr>
-                <a:t>.s</a:t>
+                <a:t>v.s</a:t>
               </a:r>
               <a:r>
                 <a:rPr lang="en-US" altLang="zh-TW" sz="2400" b="1" spc="60" dirty="0" smtClean="0">
@@ -10008,14 +10707,7 @@
                 <a:latin typeface="儷黑 Pro"/>
                 <a:ea typeface="儷黑 Pro"/>
               </a:rPr>
-              <a:t>只能有單音</a:t>
-            </a:r>
-            <a:r>
-              <a:rPr lang="zh-TW" altLang="en-US" sz="2000" dirty="0" smtClean="0">
-                <a:latin typeface="儷黑 Pro"/>
-                <a:ea typeface="儷黑 Pro"/>
-              </a:rPr>
-              <a:t>，無法有和弦</a:t>
+              <a:t>只能有單音，無法有和弦</a:t>
             </a:r>
             <a:endParaRPr lang="en-US" altLang="zh-TW" sz="2000" dirty="0" smtClean="0">
               <a:latin typeface="儷黑 Pro"/>
@@ -11067,13 +11759,13 @@
   <p:clrMapOvr>
     <a:masterClrMapping/>
   </p:clrMapOvr>
-  <mc:AlternateContent xmlns:mc="http://schemas.openxmlformats.org/markup-compatibility/2006">
-    <mc:Choice xmlns:p14="http://schemas.microsoft.com/office/powerpoint/2010/main" Requires="p14">
+  <mc:AlternateContent xmlns:mc="http://schemas.openxmlformats.org/markup-compatibility/2006" xmlns:p14="http://schemas.microsoft.com/office/powerpoint/2010/main">
+    <mc:Choice Requires="p14">
       <p:transition spd="med" p14:dur="700">
         <p:fade/>
       </p:transition>
     </mc:Choice>
-    <mc:Fallback>
+    <mc:Fallback xmlns="">
       <p:transition xmlns:p14="http://schemas.microsoft.com/office/powerpoint/2010/main" spd="med">
         <p:fade/>
       </p:transition>
@@ -11229,13 +11921,13 @@
   <p:clrMapOvr>
     <a:masterClrMapping/>
   </p:clrMapOvr>
-  <mc:AlternateContent xmlns:mc="http://schemas.openxmlformats.org/markup-compatibility/2006">
-    <mc:Choice xmlns:p14="http://schemas.microsoft.com/office/powerpoint/2010/main" Requires="p14">
+  <mc:AlternateContent xmlns:mc="http://schemas.openxmlformats.org/markup-compatibility/2006" xmlns:p14="http://schemas.microsoft.com/office/powerpoint/2010/main">
+    <mc:Choice Requires="p14">
       <p:transition spd="med" p14:dur="700">
         <p:fade/>
       </p:transition>
     </mc:Choice>
-    <mc:Fallback>
+    <mc:Fallback xmlns="">
       <p:transition xmlns:p14="http://schemas.microsoft.com/office/powerpoint/2010/main" spd="med">
         <p:fade/>
       </p:transition>
@@ -11999,23 +12691,7 @@
                 <a:ea typeface="儷黑 Pro"/>
                 <a:cs typeface="儷黑 Pro"/>
               </a:rPr>
-              <a:t>的框架</a:t>
-            </a:r>
-            <a:r>
-              <a:rPr lang="zh-TW" altLang="en-US" sz="2000" dirty="0" smtClean="0">
-                <a:latin typeface="儷黑 Pro"/>
-                <a:ea typeface="儷黑 Pro"/>
-                <a:cs typeface="儷黑 Pro"/>
-              </a:rPr>
-              <a:t>，</a:t>
-            </a:r>
-            <a:r>
-              <a:rPr lang="zh-TW" altLang="en-US" sz="2000" dirty="0" smtClean="0">
-                <a:latin typeface="儷黑 Pro"/>
-                <a:ea typeface="儷黑 Pro"/>
-                <a:cs typeface="儷黑 Pro"/>
-              </a:rPr>
-              <a:t>用來處理不同設備瀏覽器的問題</a:t>
+              <a:t>的框架，用來處理不同設備瀏覽器的問題</a:t>
             </a:r>
             <a:endParaRPr lang="en-US" altLang="zh-TW" sz="2000" dirty="0" smtClean="0">
               <a:latin typeface="儷黑 Pro"/>
@@ -12155,112 +12831,112 @@
             </a:pPr>
             <a:r>
               <a:rPr lang="en-US" altLang="zh-CHT" sz="2000" dirty="0" err="1" smtClean="0">
-                <a:latin typeface="Apple LiGothic Medium"/>
-                <a:ea typeface="Apple LiGothic Medium"/>
-                <a:cs typeface="Apple LiGothic Medium"/>
+                <a:latin typeface="儷黑 Pro"/>
+                <a:ea typeface="儷黑 Pro"/>
+                <a:cs typeface="儷黑 Pro"/>
               </a:rPr>
               <a:t>Zepto</a:t>
             </a:r>
             <a:r>
               <a:rPr lang="zh-TW" altLang="en-US" sz="2000" dirty="0" smtClean="0">
-                <a:latin typeface="Apple LiGothic Medium"/>
-                <a:ea typeface="Apple LiGothic Medium"/>
-                <a:cs typeface="Apple LiGothic Medium"/>
+                <a:latin typeface="儷黑 Pro"/>
+                <a:ea typeface="儷黑 Pro"/>
+                <a:cs typeface="儷黑 Pro"/>
               </a:rPr>
               <a:t> </a:t>
             </a:r>
             <a:r>
               <a:rPr lang="zh-CHT" altLang="en-US" sz="2000" dirty="0" smtClean="0">
-                <a:latin typeface="Apple LiGothic Medium"/>
-                <a:ea typeface="Apple LiGothic Medium"/>
-                <a:cs typeface="Apple LiGothic Medium"/>
+                <a:latin typeface="儷黑 Pro"/>
+                <a:ea typeface="儷黑 Pro"/>
+                <a:cs typeface="儷黑 Pro"/>
               </a:rPr>
               <a:t>的</a:t>
             </a:r>
             <a:r>
               <a:rPr lang="zh-TW" altLang="en-US" sz="2000" dirty="0" smtClean="0">
-                <a:latin typeface="Apple LiGothic Medium"/>
-                <a:ea typeface="Apple LiGothic Medium"/>
-                <a:cs typeface="Apple LiGothic Medium"/>
+                <a:latin typeface="儷黑 Pro"/>
+                <a:ea typeface="儷黑 Pro"/>
+                <a:cs typeface="儷黑 Pro"/>
               </a:rPr>
               <a:t> </a:t>
             </a:r>
             <a:r>
               <a:rPr lang="zh-TW" altLang="zh-TW" sz="2000" dirty="0" smtClean="0">
-                <a:latin typeface="Apple LiGothic Medium"/>
-                <a:ea typeface="Apple LiGothic Medium"/>
-                <a:cs typeface="Apple LiGothic Medium"/>
+                <a:latin typeface="儷黑 Pro"/>
+                <a:ea typeface="儷黑 Pro"/>
+                <a:cs typeface="儷黑 Pro"/>
               </a:rPr>
               <a:t>l</a:t>
             </a:r>
             <a:r>
               <a:rPr lang="en-US" altLang="zh-TW" sz="2000" dirty="0" err="1" smtClean="0">
-                <a:latin typeface="Apple LiGothic Medium"/>
-                <a:ea typeface="Apple LiGothic Medium"/>
-                <a:cs typeface="Apple LiGothic Medium"/>
+                <a:latin typeface="儷黑 Pro"/>
+                <a:ea typeface="儷黑 Pro"/>
+                <a:cs typeface="儷黑 Pro"/>
               </a:rPr>
               <a:t>ibrary</a:t>
             </a:r>
             <a:r>
               <a:rPr lang="zh-TW" altLang="en-US" sz="2000" dirty="0" smtClean="0">
-                <a:latin typeface="Apple LiGothic Medium"/>
-                <a:ea typeface="Apple LiGothic Medium"/>
-                <a:cs typeface="Apple LiGothic Medium"/>
+                <a:latin typeface="儷黑 Pro"/>
+                <a:ea typeface="儷黑 Pro"/>
+                <a:cs typeface="儷黑 Pro"/>
               </a:rPr>
               <a:t> </a:t>
             </a:r>
             <a:r>
               <a:rPr lang="zh-CHT" altLang="en-US" sz="2000" dirty="0" smtClean="0">
-                <a:latin typeface="Apple LiGothic Medium"/>
-                <a:ea typeface="Apple LiGothic Medium"/>
-                <a:cs typeface="Apple LiGothic Medium"/>
+                <a:latin typeface="儷黑 Pro"/>
+                <a:ea typeface="儷黑 Pro"/>
+                <a:cs typeface="儷黑 Pro"/>
               </a:rPr>
               <a:t>和</a:t>
             </a:r>
             <a:r>
               <a:rPr lang="zh-TW" altLang="en-US" sz="2000" dirty="0" smtClean="0">
-                <a:latin typeface="Apple LiGothic Medium"/>
-                <a:ea typeface="Apple LiGothic Medium"/>
-                <a:cs typeface="Apple LiGothic Medium"/>
+                <a:latin typeface="儷黑 Pro"/>
+                <a:ea typeface="儷黑 Pro"/>
+                <a:cs typeface="儷黑 Pro"/>
               </a:rPr>
               <a:t> </a:t>
             </a:r>
             <a:r>
               <a:rPr lang="en-US" altLang="zh-CHT" sz="2000" dirty="0" err="1" smtClean="0">
-                <a:latin typeface="Apple LiGothic Medium"/>
-                <a:ea typeface="Apple LiGothic Medium"/>
-                <a:cs typeface="Apple LiGothic Medium"/>
+                <a:latin typeface="儷黑 Pro"/>
+                <a:ea typeface="儷黑 Pro"/>
+                <a:cs typeface="儷黑 Pro"/>
               </a:rPr>
               <a:t>jQuery</a:t>
             </a:r>
             <a:r>
               <a:rPr lang="zh-TW" altLang="en-US" sz="2000" dirty="0">
-                <a:latin typeface="Apple LiGothic Medium"/>
-                <a:ea typeface="Apple LiGothic Medium"/>
-                <a:cs typeface="Apple LiGothic Medium"/>
+                <a:latin typeface="儷黑 Pro"/>
+                <a:ea typeface="儷黑 Pro"/>
+                <a:cs typeface="儷黑 Pro"/>
               </a:rPr>
               <a:t> </a:t>
             </a:r>
             <a:r>
               <a:rPr lang="zh-CHT" altLang="en-US" sz="2000" dirty="0" smtClean="0">
-                <a:latin typeface="Apple LiGothic Medium"/>
-                <a:ea typeface="Apple LiGothic Medium"/>
-                <a:cs typeface="Apple LiGothic Medium"/>
+                <a:latin typeface="儷黑 Pro"/>
+                <a:ea typeface="儷黑 Pro"/>
+                <a:cs typeface="儷黑 Pro"/>
               </a:rPr>
               <a:t>是兼容的</a:t>
             </a:r>
             <a:r>
               <a:rPr lang="zh-TW" altLang="en-US" sz="2000" dirty="0" smtClean="0">
-                <a:latin typeface="Apple LiGothic Medium"/>
-                <a:ea typeface="Apple LiGothic Medium"/>
-                <a:cs typeface="Apple LiGothic Medium"/>
+                <a:latin typeface="儷黑 Pro"/>
+                <a:ea typeface="儷黑 Pro"/>
+                <a:cs typeface="儷黑 Pro"/>
               </a:rPr>
               <a:t>，不用擔心不支援的問題</a:t>
             </a:r>
             <a:endParaRPr kumimoji="1" lang="zh-TW" altLang="en-US" sz="2000" dirty="0">
-              <a:latin typeface="Apple LiGothic Medium"/>
-              <a:ea typeface="Apple LiGothic Medium"/>
-              <a:cs typeface="Apple LiGothic Medium"/>
+              <a:latin typeface="儷黑 Pro"/>
+              <a:ea typeface="儷黑 Pro"/>
+              <a:cs typeface="儷黑 Pro"/>
             </a:endParaRPr>
           </a:p>
         </p:txBody>
@@ -12278,13 +12954,13 @@
   <p:clrMapOvr>
     <a:masterClrMapping/>
   </p:clrMapOvr>
-  <mc:AlternateContent xmlns:mc="http://schemas.openxmlformats.org/markup-compatibility/2006">
-    <mc:Choice xmlns:p14="http://schemas.microsoft.com/office/powerpoint/2010/main" Requires="p14">
+  <mc:AlternateContent xmlns:mc="http://schemas.openxmlformats.org/markup-compatibility/2006" xmlns:p14="http://schemas.microsoft.com/office/powerpoint/2010/main">
+    <mc:Choice Requires="p14">
       <p:transition spd="med" p14:dur="700">
         <p:fade/>
       </p:transition>
     </mc:Choice>
-    <mc:Fallback>
+    <mc:Fallback xmlns="">
       <p:transition xmlns:p14="http://schemas.microsoft.com/office/powerpoint/2010/main" spd="med">
         <p:fade/>
       </p:transition>
@@ -12325,6 +13001,12 @@
 </file>
 
 <file path=ppt/tags/tag5.xml><?xml version="1.0" encoding="utf-8"?>
+<p:tagLst xmlns:a="http://schemas.openxmlformats.org/drawingml/2006/main" xmlns:r="http://schemas.openxmlformats.org/officeDocument/2006/relationships" xmlns:p="http://schemas.openxmlformats.org/presentationml/2006/main">
+  <p:tag name="EVENTTIMING" val="|m0;0;26;0|m0;8.2;28;0|m1;8.4;26;0|m1;14.9;28;0|m1;15.9;26;0|m1;15.9;28;0"/>
+</p:tagLst>
+</file>
+
+<file path=ppt/tags/tag6.xml><?xml version="1.0" encoding="utf-8"?>
 <p:tagLst xmlns:a="http://schemas.openxmlformats.org/drawingml/2006/main" xmlns:r="http://schemas.openxmlformats.org/officeDocument/2006/relationships" xmlns:p="http://schemas.openxmlformats.org/presentationml/2006/main">
   <p:tag name="EVENTTIMING" val="|m0;0;26;0|m0;8.2;28;0|m1;8.4;26;0|m1;14.9;28;0|m1;15.9;26;0|m1;15.9;28;0"/>
 </p:tagLst>
